--- a/英语作业/Week5（intro）/黄昊20204205.pptx
+++ b/英语作业/Week5（intro）/黄昊20204205.pptx
@@ -981,7 +981,7 @@
           <a:p>
             <a:fld id="{056C30AA-BF3A-4BE0-94D2-6D82414E85B0}" type="datetimeFigureOut">
               <a:rPr lang="zh-CN" altLang="en-US" smtClean="0"/>
-              <a:t>2022/9/28</a:t>
+              <a:t>2022/10/12</a:t>
             </a:fld>
             <a:endParaRPr lang="zh-CN" altLang="en-US"/>
           </a:p>
@@ -1355,6 +1355,90 @@
 </p:notes>
 </file>
 
+<file path=ppt/notesSlides/notesSlide2.xml><?xml version="1.0" encoding="utf-8"?>
+<p:notes xmlns:a="http://schemas.openxmlformats.org/drawingml/2006/main" xmlns:r="http://schemas.openxmlformats.org/officeDocument/2006/relationships" xmlns:p="http://schemas.openxmlformats.org/presentationml/2006/main">
+  <p:cSld>
+    <p:spTree>
+      <p:nvGrpSpPr>
+        <p:cNvPr id="1" name=""/>
+        <p:cNvGrpSpPr/>
+        <p:nvPr/>
+      </p:nvGrpSpPr>
+      <p:grpSpPr>
+        <a:xfrm>
+          <a:off x="0" y="0"/>
+          <a:ext cx="0" cy="0"/>
+          <a:chOff x="0" y="0"/>
+          <a:chExt cx="0" cy="0"/>
+        </a:xfrm>
+      </p:grpSpPr>
+      <p:sp>
+        <p:nvSpPr>
+          <p:cNvPr id="2" name="幻灯片图像占位符 1"/>
+          <p:cNvSpPr>
+            <a:spLocks noGrp="1" noRot="1" noChangeAspect="1"/>
+          </p:cNvSpPr>
+          <p:nvPr>
+            <p:ph type="sldImg"/>
+          </p:nvPr>
+        </p:nvSpPr>
+        <p:spPr/>
+      </p:sp>
+      <p:sp>
+        <p:nvSpPr>
+          <p:cNvPr id="3" name="备注占位符 2"/>
+          <p:cNvSpPr>
+            <a:spLocks noGrp="1"/>
+          </p:cNvSpPr>
+          <p:nvPr>
+            <p:ph type="body" idx="1"/>
+          </p:nvPr>
+        </p:nvSpPr>
+        <p:spPr/>
+        <p:txBody>
+          <a:bodyPr/>
+          <a:lstStyle/>
+          <a:p>
+            <a:endParaRPr lang="zh-CN" altLang="en-US" dirty="0"/>
+          </a:p>
+        </p:txBody>
+      </p:sp>
+      <p:sp>
+        <p:nvSpPr>
+          <p:cNvPr id="4" name="灯片编号占位符 3"/>
+          <p:cNvSpPr>
+            <a:spLocks noGrp="1"/>
+          </p:cNvSpPr>
+          <p:nvPr>
+            <p:ph type="sldNum" sz="quarter" idx="5"/>
+          </p:nvPr>
+        </p:nvSpPr>
+        <p:spPr/>
+        <p:txBody>
+          <a:bodyPr/>
+          <a:lstStyle/>
+          <a:p>
+            <a:fld id="{531BC76B-B5FD-4F17-B8AF-907B333DAE44}" type="slidenum">
+              <a:rPr lang="zh-CN" altLang="en-US" smtClean="0"/>
+              <a:t>9</a:t>
+            </a:fld>
+            <a:endParaRPr lang="zh-CN" altLang="en-US"/>
+          </a:p>
+        </p:txBody>
+      </p:sp>
+    </p:spTree>
+    <p:extLst>
+      <p:ext uri="{BB962C8B-B14F-4D97-AF65-F5344CB8AC3E}">
+        <p14:creationId xmlns:p14="http://schemas.microsoft.com/office/powerpoint/2010/main" val="2611205569"/>
+      </p:ext>
+    </p:extLst>
+  </p:cSld>
+  <p:clrMapOvr>
+    <a:masterClrMapping/>
+  </p:clrMapOvr>
+</p:notes>
+</file>
+
 <file path=ppt/slideLayouts/slideLayout1.xml><?xml version="1.0" encoding="utf-8"?>
 <p:sldLayout xmlns:a="http://schemas.openxmlformats.org/drawingml/2006/main" xmlns:r="http://schemas.openxmlformats.org/officeDocument/2006/relationships" xmlns:p="http://schemas.openxmlformats.org/presentationml/2006/main" type="title" preserve="1">
   <p:cSld name="标题幻灯片">
@@ -1502,7 +1586,7 @@
           <a:p>
             <a:fld id="{17A04664-9F4C-41AF-8C2E-ABA9BACDEFE4}" type="datetimeFigureOut">
               <a:rPr lang="zh-CN" altLang="en-US" smtClean="0"/>
-              <a:t>2022/9/28</a:t>
+              <a:t>2022/10/12</a:t>
             </a:fld>
             <a:endParaRPr lang="zh-CN" altLang="en-US"/>
           </a:p>
@@ -1700,7 +1784,7 @@
           <a:p>
             <a:fld id="{17A04664-9F4C-41AF-8C2E-ABA9BACDEFE4}" type="datetimeFigureOut">
               <a:rPr lang="zh-CN" altLang="en-US" smtClean="0"/>
-              <a:t>2022/9/28</a:t>
+              <a:t>2022/10/12</a:t>
             </a:fld>
             <a:endParaRPr lang="zh-CN" altLang="en-US"/>
           </a:p>
@@ -1908,7 +1992,7 @@
           <a:p>
             <a:fld id="{17A04664-9F4C-41AF-8C2E-ABA9BACDEFE4}" type="datetimeFigureOut">
               <a:rPr lang="zh-CN" altLang="en-US" smtClean="0"/>
-              <a:t>2022/9/28</a:t>
+              <a:t>2022/10/12</a:t>
             </a:fld>
             <a:endParaRPr lang="zh-CN" altLang="en-US"/>
           </a:p>
@@ -2106,7 +2190,7 @@
           <a:p>
             <a:fld id="{17A04664-9F4C-41AF-8C2E-ABA9BACDEFE4}" type="datetimeFigureOut">
               <a:rPr lang="zh-CN" altLang="en-US" smtClean="0"/>
-              <a:t>2022/9/28</a:t>
+              <a:t>2022/10/12</a:t>
             </a:fld>
             <a:endParaRPr lang="zh-CN" altLang="en-US"/>
           </a:p>
@@ -2381,7 +2465,7 @@
           <a:p>
             <a:fld id="{17A04664-9F4C-41AF-8C2E-ABA9BACDEFE4}" type="datetimeFigureOut">
               <a:rPr lang="zh-CN" altLang="en-US" smtClean="0"/>
-              <a:t>2022/9/28</a:t>
+              <a:t>2022/10/12</a:t>
             </a:fld>
             <a:endParaRPr lang="zh-CN" altLang="en-US"/>
           </a:p>
@@ -2646,7 +2730,7 @@
           <a:p>
             <a:fld id="{17A04664-9F4C-41AF-8C2E-ABA9BACDEFE4}" type="datetimeFigureOut">
               <a:rPr lang="zh-CN" altLang="en-US" smtClean="0"/>
-              <a:t>2022/9/28</a:t>
+              <a:t>2022/10/12</a:t>
             </a:fld>
             <a:endParaRPr lang="zh-CN" altLang="en-US"/>
           </a:p>
@@ -3058,7 +3142,7 @@
           <a:p>
             <a:fld id="{17A04664-9F4C-41AF-8C2E-ABA9BACDEFE4}" type="datetimeFigureOut">
               <a:rPr lang="zh-CN" altLang="en-US" smtClean="0"/>
-              <a:t>2022/9/28</a:t>
+              <a:t>2022/10/12</a:t>
             </a:fld>
             <a:endParaRPr lang="zh-CN" altLang="en-US"/>
           </a:p>
@@ -3199,7 +3283,7 @@
           <a:p>
             <a:fld id="{17A04664-9F4C-41AF-8C2E-ABA9BACDEFE4}" type="datetimeFigureOut">
               <a:rPr lang="zh-CN" altLang="en-US" smtClean="0"/>
-              <a:t>2022/9/28</a:t>
+              <a:t>2022/10/12</a:t>
             </a:fld>
             <a:endParaRPr lang="zh-CN" altLang="en-US"/>
           </a:p>
@@ -3312,7 +3396,7 @@
           <a:p>
             <a:fld id="{17A04664-9F4C-41AF-8C2E-ABA9BACDEFE4}" type="datetimeFigureOut">
               <a:rPr lang="zh-CN" altLang="en-US" smtClean="0"/>
-              <a:t>2022/9/28</a:t>
+              <a:t>2022/10/12</a:t>
             </a:fld>
             <a:endParaRPr lang="zh-CN" altLang="en-US"/>
           </a:p>
@@ -3623,7 +3707,7 @@
           <a:p>
             <a:fld id="{17A04664-9F4C-41AF-8C2E-ABA9BACDEFE4}" type="datetimeFigureOut">
               <a:rPr lang="zh-CN" altLang="en-US" smtClean="0"/>
-              <a:t>2022/9/28</a:t>
+              <a:t>2022/10/12</a:t>
             </a:fld>
             <a:endParaRPr lang="zh-CN" altLang="en-US"/>
           </a:p>
@@ -3911,7 +3995,7 @@
           <a:p>
             <a:fld id="{17A04664-9F4C-41AF-8C2E-ABA9BACDEFE4}" type="datetimeFigureOut">
               <a:rPr lang="zh-CN" altLang="en-US" smtClean="0"/>
-              <a:t>2022/9/28</a:t>
+              <a:t>2022/10/12</a:t>
             </a:fld>
             <a:endParaRPr lang="zh-CN" altLang="en-US"/>
           </a:p>
@@ -4152,7 +4236,7 @@
           <a:p>
             <a:fld id="{17A04664-9F4C-41AF-8C2E-ABA9BACDEFE4}" type="datetimeFigureOut">
               <a:rPr lang="zh-CN" altLang="en-US" smtClean="0"/>
-              <a:t>2022/9/28</a:t>
+              <a:t>2022/10/12</a:t>
             </a:fld>
             <a:endParaRPr lang="zh-CN" altLang="en-US"/>
           </a:p>
@@ -11332,7 +11416,7 @@
           <p:nvPr/>
         </p:nvPicPr>
         <p:blipFill>
-          <a:blip r:embed="rId2">
+          <a:blip r:embed="rId3">
             <a:extLst>
               <a:ext uri="{28A0092B-C50C-407E-A947-70E740481C1C}">
                 <a14:useLocalDpi xmlns:a14="http://schemas.microsoft.com/office/drawing/2010/main" val="0"/>
